--- a/Lectures/BeautyVsTufte.pptx
+++ b/Lectures/BeautyVsTufte.pptx
@@ -8,13 +8,15 @@
     <p:sldId id="256" r:id="rId2"/>
     <p:sldId id="257" r:id="rId3"/>
     <p:sldId id="258" r:id="rId4"/>
-    <p:sldId id="259" r:id="rId5"/>
-    <p:sldId id="260" r:id="rId6"/>
-    <p:sldId id="265" r:id="rId7"/>
-    <p:sldId id="261" r:id="rId8"/>
-    <p:sldId id="262" r:id="rId9"/>
-    <p:sldId id="263" r:id="rId10"/>
-    <p:sldId id="264" r:id="rId11"/>
+    <p:sldId id="266" r:id="rId5"/>
+    <p:sldId id="259" r:id="rId6"/>
+    <p:sldId id="260" r:id="rId7"/>
+    <p:sldId id="265" r:id="rId8"/>
+    <p:sldId id="261" r:id="rId9"/>
+    <p:sldId id="262" r:id="rId10"/>
+    <p:sldId id="263" r:id="rId11"/>
+    <p:sldId id="267" r:id="rId12"/>
+    <p:sldId id="264" r:id="rId13"/>
   </p:sldIdLst>
   <p:sldSz cx="9144000" cy="6858000" type="screen4x3"/>
   <p:notesSz cx="6858000" cy="9144000"/>
@@ -297,7 +299,7 @@
           <a:p>
             <a:fld id="{35F6F9BC-3FDF-C640-ACEF-DCD6B66D2943}" type="datetimeFigureOut">
               <a:rPr lang="en-US" smtClean="0"/>
-              <a:t>1/27/15</a:t>
+              <a:t>9/6/16</a:t>
             </a:fld>
             <a:endParaRPr lang="en-US"/>
           </a:p>
@@ -467,7 +469,7 @@
           <a:p>
             <a:fld id="{35F6F9BC-3FDF-C640-ACEF-DCD6B66D2943}" type="datetimeFigureOut">
               <a:rPr lang="en-US" smtClean="0"/>
-              <a:t>1/27/15</a:t>
+              <a:t>9/6/16</a:t>
             </a:fld>
             <a:endParaRPr lang="en-US"/>
           </a:p>
@@ -647,7 +649,7 @@
           <a:p>
             <a:fld id="{35F6F9BC-3FDF-C640-ACEF-DCD6B66D2943}" type="datetimeFigureOut">
               <a:rPr lang="en-US" smtClean="0"/>
-              <a:t>1/27/15</a:t>
+              <a:t>9/6/16</a:t>
             </a:fld>
             <a:endParaRPr lang="en-US"/>
           </a:p>
@@ -817,7 +819,7 @@
           <a:p>
             <a:fld id="{35F6F9BC-3FDF-C640-ACEF-DCD6B66D2943}" type="datetimeFigureOut">
               <a:rPr lang="en-US" smtClean="0"/>
-              <a:t>1/27/15</a:t>
+              <a:t>9/6/16</a:t>
             </a:fld>
             <a:endParaRPr lang="en-US"/>
           </a:p>
@@ -1063,7 +1065,7 @@
           <a:p>
             <a:fld id="{35F6F9BC-3FDF-C640-ACEF-DCD6B66D2943}" type="datetimeFigureOut">
               <a:rPr lang="en-US" smtClean="0"/>
-              <a:t>1/27/15</a:t>
+              <a:t>9/6/16</a:t>
             </a:fld>
             <a:endParaRPr lang="en-US"/>
           </a:p>
@@ -1351,7 +1353,7 @@
           <a:p>
             <a:fld id="{35F6F9BC-3FDF-C640-ACEF-DCD6B66D2943}" type="datetimeFigureOut">
               <a:rPr lang="en-US" smtClean="0"/>
-              <a:t>1/27/15</a:t>
+              <a:t>9/6/16</a:t>
             </a:fld>
             <a:endParaRPr lang="en-US"/>
           </a:p>
@@ -1773,7 +1775,7 @@
           <a:p>
             <a:fld id="{35F6F9BC-3FDF-C640-ACEF-DCD6B66D2943}" type="datetimeFigureOut">
               <a:rPr lang="en-US" smtClean="0"/>
-              <a:t>1/27/15</a:t>
+              <a:t>9/6/16</a:t>
             </a:fld>
             <a:endParaRPr lang="en-US"/>
           </a:p>
@@ -1891,7 +1893,7 @@
           <a:p>
             <a:fld id="{35F6F9BC-3FDF-C640-ACEF-DCD6B66D2943}" type="datetimeFigureOut">
               <a:rPr lang="en-US" smtClean="0"/>
-              <a:t>1/27/15</a:t>
+              <a:t>9/6/16</a:t>
             </a:fld>
             <a:endParaRPr lang="en-US"/>
           </a:p>
@@ -1986,7 +1988,7 @@
           <a:p>
             <a:fld id="{35F6F9BC-3FDF-C640-ACEF-DCD6B66D2943}" type="datetimeFigureOut">
               <a:rPr lang="en-US" smtClean="0"/>
-              <a:t>1/27/15</a:t>
+              <a:t>9/6/16</a:t>
             </a:fld>
             <a:endParaRPr lang="en-US"/>
           </a:p>
@@ -2263,7 +2265,7 @@
           <a:p>
             <a:fld id="{35F6F9BC-3FDF-C640-ACEF-DCD6B66D2943}" type="datetimeFigureOut">
               <a:rPr lang="en-US" smtClean="0"/>
-              <a:t>1/27/15</a:t>
+              <a:t>9/6/16</a:t>
             </a:fld>
             <a:endParaRPr lang="en-US"/>
           </a:p>
@@ -2516,7 +2518,7 @@
           <a:p>
             <a:fld id="{35F6F9BC-3FDF-C640-ACEF-DCD6B66D2943}" type="datetimeFigureOut">
               <a:rPr lang="en-US" smtClean="0"/>
-              <a:t>1/27/15</a:t>
+              <a:t>9/6/16</a:t>
             </a:fld>
             <a:endParaRPr lang="en-US"/>
           </a:p>
@@ -2729,7 +2731,7 @@
           <a:p>
             <a:fld id="{35F6F9BC-3FDF-C640-ACEF-DCD6B66D2943}" type="datetimeFigureOut">
               <a:rPr lang="en-US" smtClean="0"/>
-              <a:t>1/27/15</a:t>
+              <a:t>9/6/16</a:t>
             </a:fld>
             <a:endParaRPr lang="en-US"/>
           </a:p>
@@ -3197,6 +3199,189 @@
           <a:p>
             <a:r>
               <a:rPr lang="en-US" dirty="0" smtClean="0"/>
+              <a:t>Cairo’s solution to the wheel</a:t>
+            </a:r>
+            <a:endParaRPr lang="en-US" dirty="0"/>
+          </a:p>
+        </p:txBody>
+      </p:sp>
+      <p:sp>
+        <p:nvSpPr>
+          <p:cNvPr id="3" name="Content Placeholder 2"/>
+          <p:cNvSpPr>
+            <a:spLocks noGrp="1"/>
+          </p:cNvSpPr>
+          <p:nvPr>
+            <p:ph idx="1"/>
+          </p:nvPr>
+        </p:nvSpPr>
+        <p:spPr/>
+        <p:txBody>
+          <a:bodyPr/>
+          <a:lstStyle/>
+          <a:p>
+            <a:r>
+              <a:rPr lang="en-US" dirty="0" smtClean="0"/>
+              <a:t>Organize your graphics in layers. </a:t>
+            </a:r>
+          </a:p>
+          <a:p>
+            <a:r>
+              <a:rPr lang="en-US" dirty="0" smtClean="0"/>
+              <a:t>First: your lead – A headline, a summary, a main overview graphic of the key data.</a:t>
+            </a:r>
+          </a:p>
+          <a:p>
+            <a:r>
+              <a:rPr lang="en-US" dirty="0" smtClean="0"/>
+              <a:t>Second: Inner layers of data. Make editorial choices. Do not overwhelm.</a:t>
+            </a:r>
+          </a:p>
+          <a:p>
+            <a:r>
+              <a:rPr lang="en-US" dirty="0" smtClean="0"/>
+              <a:t>Third: Structure in logical order.</a:t>
+            </a:r>
+          </a:p>
+          <a:p>
+            <a:r>
+              <a:rPr lang="en-US" dirty="0" smtClean="0"/>
+              <a:t>Structure first, eye candy second.</a:t>
+            </a:r>
+          </a:p>
+          <a:p>
+            <a:r>
+              <a:rPr lang="en-US" dirty="0" smtClean="0">
+                <a:hlinkClick r:id="rId2"/>
+              </a:rPr>
+              <a:t>Does this story meet Cairo’s solution</a:t>
+            </a:r>
+            <a:r>
+              <a:rPr lang="en-US" dirty="0" smtClean="0"/>
+              <a:t>?</a:t>
+            </a:r>
+            <a:endParaRPr lang="en-US" dirty="0"/>
+          </a:p>
+        </p:txBody>
+      </p:sp>
+    </p:spTree>
+    <p:extLst>
+      <p:ext uri="{BB962C8B-B14F-4D97-AF65-F5344CB8AC3E}">
+        <p14:creationId xmlns:p14="http://schemas.microsoft.com/office/powerpoint/2010/main" val="358563097"/>
+      </p:ext>
+    </p:extLst>
+  </p:cSld>
+  <p:clrMapOvr>
+    <a:masterClrMapping/>
+  </p:clrMapOvr>
+  <p:timing>
+    <p:tnLst>
+      <p:par>
+        <p:cTn xmlns:p14="http://schemas.microsoft.com/office/powerpoint/2010/main" id="1" dur="indefinite" restart="never" nodeType="tmRoot"/>
+      </p:par>
+    </p:tnLst>
+  </p:timing>
+</p:sld>
+</file>
+
+<file path=ppt/slides/slide11.xml><?xml version="1.0" encoding="utf-8"?>
+<p:sld xmlns:a="http://schemas.openxmlformats.org/drawingml/2006/main" xmlns:r="http://schemas.openxmlformats.org/officeDocument/2006/relationships" xmlns:p="http://schemas.openxmlformats.org/presentationml/2006/main">
+  <p:cSld>
+    <p:spTree>
+      <p:nvGrpSpPr>
+        <p:cNvPr id="1" name=""/>
+        <p:cNvGrpSpPr/>
+        <p:nvPr/>
+      </p:nvGrpSpPr>
+      <p:grpSpPr>
+        <a:xfrm>
+          <a:off x="0" y="0"/>
+          <a:ext cx="0" cy="0"/>
+          <a:chOff x="0" y="0"/>
+          <a:chExt cx="0" cy="0"/>
+        </a:xfrm>
+      </p:grpSpPr>
+      <p:sp>
+        <p:nvSpPr>
+          <p:cNvPr id="2" name="Title 1"/>
+          <p:cNvSpPr>
+            <a:spLocks noGrp="1"/>
+          </p:cNvSpPr>
+          <p:nvPr>
+            <p:ph type="title"/>
+          </p:nvPr>
+        </p:nvSpPr>
+        <p:spPr>
+          <a:xfrm>
+            <a:off x="457200" y="2814848"/>
+            <a:ext cx="8229600" cy="1143000"/>
+          </a:xfrm>
+        </p:spPr>
+        <p:txBody>
+          <a:bodyPr/>
+          <a:lstStyle/>
+          <a:p>
+            <a:r>
+              <a:rPr lang="en-US" dirty="0" smtClean="0">
+                <a:hlinkClick r:id="rId2"/>
+              </a:rPr>
+              <a:t>What about this?</a:t>
+            </a:r>
+            <a:r>
+              <a:rPr lang="en-US" dirty="0" smtClean="0"/>
+              <a:t> </a:t>
+            </a:r>
+            <a:endParaRPr lang="en-US" dirty="0"/>
+          </a:p>
+        </p:txBody>
+      </p:sp>
+    </p:spTree>
+    <p:extLst>
+      <p:ext uri="{BB962C8B-B14F-4D97-AF65-F5344CB8AC3E}">
+        <p14:creationId xmlns:p14="http://schemas.microsoft.com/office/powerpoint/2010/main" val="570063875"/>
+      </p:ext>
+    </p:extLst>
+  </p:cSld>
+  <p:clrMapOvr>
+    <a:masterClrMapping/>
+  </p:clrMapOvr>
+</p:sld>
+</file>
+
+<file path=ppt/slides/slide12.xml><?xml version="1.0" encoding="utf-8"?>
+<p:sld xmlns:a="http://schemas.openxmlformats.org/drawingml/2006/main" xmlns:r="http://schemas.openxmlformats.org/officeDocument/2006/relationships" xmlns:p="http://schemas.openxmlformats.org/presentationml/2006/main">
+  <p:cSld>
+    <p:spTree>
+      <p:nvGrpSpPr>
+        <p:cNvPr id="1" name=""/>
+        <p:cNvGrpSpPr/>
+        <p:nvPr/>
+      </p:nvGrpSpPr>
+      <p:grpSpPr>
+        <a:xfrm>
+          <a:off x="0" y="0"/>
+          <a:ext cx="0" cy="0"/>
+          <a:chOff x="0" y="0"/>
+          <a:chExt cx="0" cy="0"/>
+        </a:xfrm>
+      </p:grpSpPr>
+      <p:sp>
+        <p:nvSpPr>
+          <p:cNvPr id="2" name="Title 1"/>
+          <p:cNvSpPr>
+            <a:spLocks noGrp="1"/>
+          </p:cNvSpPr>
+          <p:nvPr>
+            <p:ph type="title"/>
+          </p:nvPr>
+        </p:nvSpPr>
+        <p:spPr/>
+        <p:txBody>
+          <a:bodyPr/>
+          <a:lstStyle/>
+          <a:p>
+            <a:r>
+              <a:rPr lang="en-US" dirty="0" smtClean="0"/>
               <a:t>For Thursday</a:t>
             </a:r>
             <a:endParaRPr lang="en-US" dirty="0"/>
@@ -3220,20 +3405,15 @@
           <a:p>
             <a:r>
               <a:rPr lang="en-US" dirty="0" smtClean="0"/>
-              <a:t>Read Cairo Chapter 6. </a:t>
-            </a:r>
-          </a:p>
-          <a:p>
-            <a:r>
-              <a:rPr lang="en-US" dirty="0" smtClean="0"/>
-              <a:t>Read the link on Blackboard.</a:t>
-            </a:r>
-            <a:endParaRPr lang="en-US" dirty="0" smtClean="0"/>
-          </a:p>
-          <a:p>
-            <a:r>
-              <a:rPr lang="en-US" dirty="0" smtClean="0"/>
-              <a:t>Prepare for the Mother Of All Reading Quizzes. It’ll be 15 questions over Cairo 2, 3, 4 and 6 and </a:t>
+              <a:t>Read Cairo Chapter </a:t>
+            </a:r>
+            <a:r>
+              <a:rPr lang="en-US" dirty="0" smtClean="0"/>
+              <a:t>3, 4 and 6</a:t>
+            </a:r>
+            <a:r>
+              <a:rPr lang="en-US" dirty="0" smtClean="0"/>
+              <a:t> and </a:t>
             </a:r>
             <a:r>
               <a:rPr lang="en-US" dirty="0" err="1" smtClean="0"/>
@@ -3241,8 +3421,44 @@
             </a:r>
             <a:r>
               <a:rPr lang="en-US" dirty="0" smtClean="0"/>
-              <a:t> 4. </a:t>
-            </a:r>
+              <a:t> 5 and 6. </a:t>
+            </a:r>
+            <a:endParaRPr lang="en-US" dirty="0" smtClean="0"/>
+          </a:p>
+          <a:p>
+            <a:r>
+              <a:rPr lang="en-US" dirty="0" smtClean="0"/>
+              <a:t>Prepare </a:t>
+            </a:r>
+            <a:r>
+              <a:rPr lang="en-US" dirty="0" smtClean="0"/>
+              <a:t>for the Mother Of All Reading Quizzes. It’ll be </a:t>
+            </a:r>
+            <a:r>
+              <a:rPr lang="en-US" dirty="0" smtClean="0"/>
+              <a:t>20</a:t>
+            </a:r>
+            <a:r>
+              <a:rPr lang="en-US" dirty="0" smtClean="0"/>
+              <a:t> </a:t>
+            </a:r>
+            <a:r>
+              <a:rPr lang="en-US" dirty="0" smtClean="0"/>
+              <a:t>questions over Cairo 2, 3, 4 and 6 and </a:t>
+            </a:r>
+            <a:r>
+              <a:rPr lang="en-US" dirty="0" err="1" smtClean="0"/>
+              <a:t>Tufte</a:t>
+            </a:r>
+            <a:r>
+              <a:rPr lang="en-US" dirty="0" smtClean="0"/>
+              <a:t> </a:t>
+            </a:r>
+            <a:r>
+              <a:rPr lang="en-US" dirty="0" smtClean="0"/>
+              <a:t>1, 2, 4, 5 and 6. </a:t>
+            </a:r>
+            <a:endParaRPr lang="en-US" dirty="0" smtClean="0"/>
           </a:p>
         </p:txBody>
       </p:sp>
@@ -3256,6 +3472,13 @@
   <p:clrMapOvr>
     <a:masterClrMapping/>
   </p:clrMapOvr>
+  <p:timing>
+    <p:tnLst>
+      <p:par>
+        <p:cTn xmlns:p14="http://schemas.microsoft.com/office/powerpoint/2010/main" id="1" dur="indefinite" restart="never" nodeType="tmRoot"/>
+      </p:par>
+    </p:tnLst>
+  </p:timing>
 </p:sld>
 </file>
 
@@ -3480,45 +3703,35 @@
           </a:p>
         </p:txBody>
       </p:sp>
-      <p:sp>
-        <p:nvSpPr>
-          <p:cNvPr id="3" name="Content Placeholder 2"/>
-          <p:cNvSpPr>
-            <a:spLocks noGrp="1"/>
-          </p:cNvSpPr>
+      <p:pic>
+        <p:nvPicPr>
+          <p:cNvPr id="4" name="Content Placeholder 3" descr="vis-wheel.png"/>
+          <p:cNvPicPr>
+            <a:picLocks noGrp="1" noChangeAspect="1"/>
+          </p:cNvPicPr>
           <p:nvPr>
             <p:ph idx="1"/>
           </p:nvPr>
-        </p:nvSpPr>
-        <p:spPr/>
-        <p:txBody>
-          <a:bodyPr/>
-          <a:lstStyle/>
-          <a:p>
-            <a:r>
-              <a:rPr lang="en-US" dirty="0" smtClean="0"/>
-              <a:t>It’s not so easy as to say to the left or the right is best.</a:t>
-            </a:r>
-          </a:p>
-          <a:p>
-            <a:r>
-              <a:rPr lang="en-US" dirty="0" smtClean="0"/>
-              <a:t>Complexity should be adapted to the audience.</a:t>
-            </a:r>
-          </a:p>
-          <a:p>
-            <a:r>
-              <a:rPr lang="en-US" dirty="0" smtClean="0"/>
-              <a:t>Dumbing down the data – do we back away from complexity or do we strive to clarify it? Augment it? Make it work?</a:t>
-            </a:r>
-            <a:endParaRPr lang="en-US" dirty="0"/>
-          </a:p>
-        </p:txBody>
-      </p:sp>
+        </p:nvPicPr>
+        <p:blipFill>
+          <a:blip r:embed="rId2">
+            <a:extLst>
+              <a:ext uri="{28A0092B-C50C-407E-A947-70E740481C1C}">
+                <a14:useLocalDpi xmlns:a14="http://schemas.microsoft.com/office/drawing/2010/main" val="0"/>
+              </a:ext>
+            </a:extLst>
+          </a:blip>
+          <a:srcRect l="-4698" r="-4698"/>
+          <a:stretch>
+            <a:fillRect/>
+          </a:stretch>
+        </p:blipFill>
+        <p:spPr/>
+      </p:pic>
     </p:spTree>
     <p:extLst>
       <p:ext uri="{BB962C8B-B14F-4D97-AF65-F5344CB8AC3E}">
-        <p14:creationId xmlns:p14="http://schemas.microsoft.com/office/powerpoint/2010/main" val="269882466"/>
+        <p14:creationId xmlns:p14="http://schemas.microsoft.com/office/powerpoint/2010/main" val="1529221200"/>
       </p:ext>
     </p:extLst>
   </p:cSld>
@@ -3555,6 +3768,94 @@
             <p:ph type="title"/>
           </p:nvPr>
         </p:nvSpPr>
+        <p:spPr/>
+        <p:txBody>
+          <a:bodyPr/>
+          <a:lstStyle/>
+          <a:p>
+            <a:r>
+              <a:rPr lang="en-US" dirty="0" smtClean="0"/>
+              <a:t>The wheel</a:t>
+            </a:r>
+            <a:endParaRPr lang="en-US" dirty="0"/>
+          </a:p>
+        </p:txBody>
+      </p:sp>
+      <p:sp>
+        <p:nvSpPr>
+          <p:cNvPr id="3" name="Content Placeholder 2"/>
+          <p:cNvSpPr>
+            <a:spLocks noGrp="1"/>
+          </p:cNvSpPr>
+          <p:nvPr>
+            <p:ph idx="1"/>
+          </p:nvPr>
+        </p:nvSpPr>
+        <p:spPr/>
+        <p:txBody>
+          <a:bodyPr/>
+          <a:lstStyle/>
+          <a:p>
+            <a:r>
+              <a:rPr lang="en-US" dirty="0" smtClean="0"/>
+              <a:t>It’s not so easy as to say to the left or the right is best.</a:t>
+            </a:r>
+          </a:p>
+          <a:p>
+            <a:r>
+              <a:rPr lang="en-US" dirty="0" smtClean="0"/>
+              <a:t>Complexity should be adapted to the audience.</a:t>
+            </a:r>
+          </a:p>
+          <a:p>
+            <a:r>
+              <a:rPr lang="en-US" dirty="0" smtClean="0"/>
+              <a:t>Dumbing down the data – do we back away from complexity or do we strive to clarify it? Augment it? Make it work?</a:t>
+            </a:r>
+            <a:endParaRPr lang="en-US" dirty="0"/>
+          </a:p>
+        </p:txBody>
+      </p:sp>
+    </p:spTree>
+    <p:extLst>
+      <p:ext uri="{BB962C8B-B14F-4D97-AF65-F5344CB8AC3E}">
+        <p14:creationId xmlns:p14="http://schemas.microsoft.com/office/powerpoint/2010/main" val="269882466"/>
+      </p:ext>
+    </p:extLst>
+  </p:cSld>
+  <p:clrMapOvr>
+    <a:masterClrMapping/>
+  </p:clrMapOvr>
+</p:sld>
+</file>
+
+<file path=ppt/slides/slide6.xml><?xml version="1.0" encoding="utf-8"?>
+<p:sld xmlns:a="http://schemas.openxmlformats.org/drawingml/2006/main" xmlns:r="http://schemas.openxmlformats.org/officeDocument/2006/relationships" xmlns:p="http://schemas.openxmlformats.org/presentationml/2006/main">
+  <p:cSld>
+    <p:spTree>
+      <p:nvGrpSpPr>
+        <p:cNvPr id="1" name=""/>
+        <p:cNvGrpSpPr/>
+        <p:nvPr/>
+      </p:nvGrpSpPr>
+      <p:grpSpPr>
+        <a:xfrm>
+          <a:off x="0" y="0"/>
+          <a:ext cx="0" cy="0"/>
+          <a:chOff x="0" y="0"/>
+          <a:chExt cx="0" cy="0"/>
+        </a:xfrm>
+      </p:grpSpPr>
+      <p:sp>
+        <p:nvSpPr>
+          <p:cNvPr id="2" name="Title 1"/>
+          <p:cNvSpPr>
+            <a:spLocks noGrp="1"/>
+          </p:cNvSpPr>
+          <p:nvPr>
+            <p:ph type="title"/>
+          </p:nvPr>
+        </p:nvSpPr>
         <p:spPr>
           <a:xfrm>
             <a:off x="457200" y="1612783"/>
@@ -3610,7 +3911,7 @@
 </p:sld>
 </file>
 
-<file path=ppt/slides/slide6.xml><?xml version="1.0" encoding="utf-8"?>
+<file path=ppt/slides/slide7.xml><?xml version="1.0" encoding="utf-8"?>
 <p:sld xmlns:a="http://schemas.openxmlformats.org/drawingml/2006/main" xmlns:r="http://schemas.openxmlformats.org/officeDocument/2006/relationships" xmlns:p="http://schemas.openxmlformats.org/presentationml/2006/main">
   <p:cSld>
     <p:spTree>
@@ -3667,130 +3968,13 @@
   <p:clrMapOvr>
     <a:masterClrMapping/>
   </p:clrMapOvr>
-</p:sld>
-</file>
-
-<file path=ppt/slides/slide7.xml><?xml version="1.0" encoding="utf-8"?>
-<p:sld xmlns:a="http://schemas.openxmlformats.org/drawingml/2006/main" xmlns:r="http://schemas.openxmlformats.org/officeDocument/2006/relationships" xmlns:p="http://schemas.openxmlformats.org/presentationml/2006/main">
-  <p:cSld>
-    <p:spTree>
-      <p:nvGrpSpPr>
-        <p:cNvPr id="1" name=""/>
-        <p:cNvGrpSpPr/>
-        <p:nvPr/>
-      </p:nvGrpSpPr>
-      <p:grpSpPr>
-        <a:xfrm>
-          <a:off x="0" y="0"/>
-          <a:ext cx="0" cy="0"/>
-          <a:chOff x="0" y="0"/>
-          <a:chExt cx="0" cy="0"/>
-        </a:xfrm>
-      </p:grpSpPr>
-      <p:sp>
-        <p:nvSpPr>
-          <p:cNvPr id="2" name="Title 1"/>
-          <p:cNvSpPr>
-            <a:spLocks noGrp="1"/>
-          </p:cNvSpPr>
-          <p:nvPr>
-            <p:ph type="title"/>
-          </p:nvPr>
-        </p:nvSpPr>
-        <p:spPr/>
-        <p:txBody>
-          <a:bodyPr/>
-          <a:lstStyle/>
-          <a:p>
-            <a:r>
-              <a:rPr lang="en-US" dirty="0" smtClean="0"/>
-              <a:t>Balancing </a:t>
-            </a:r>
-            <a:r>
-              <a:rPr lang="en-US" dirty="0" err="1" smtClean="0"/>
-              <a:t>Tufte</a:t>
-            </a:r>
-            <a:r>
-              <a:rPr lang="en-US" dirty="0" smtClean="0"/>
-              <a:t> vs. Beauty</a:t>
-            </a:r>
-            <a:endParaRPr lang="en-US" dirty="0"/>
-          </a:p>
-        </p:txBody>
-      </p:sp>
-      <p:sp>
-        <p:nvSpPr>
-          <p:cNvPr id="3" name="Content Placeholder 2"/>
-          <p:cNvSpPr>
-            <a:spLocks noGrp="1"/>
-          </p:cNvSpPr>
-          <p:nvPr>
-            <p:ph idx="1"/>
-          </p:nvPr>
-        </p:nvSpPr>
-        <p:spPr/>
-        <p:txBody>
-          <a:bodyPr>
-            <a:normAutofit lnSpcReduction="10000"/>
-          </a:bodyPr>
-          <a:lstStyle/>
-          <a:p>
-            <a:r>
-              <a:rPr lang="en-US" dirty="0" smtClean="0"/>
-              <a:t>A good graphic presents information and allows users to explore.</a:t>
-            </a:r>
-          </a:p>
-          <a:p>
-            <a:r>
-              <a:rPr lang="en-US" dirty="0" smtClean="0"/>
-              <a:t>Cairo advises first seek depth – take advantage of the space you have to seek depth within reasonable limits.</a:t>
-            </a:r>
-          </a:p>
-          <a:p>
-            <a:r>
-              <a:rPr lang="en-US" dirty="0" smtClean="0"/>
-              <a:t>Only after, worry about how to make it prettier.</a:t>
-            </a:r>
-          </a:p>
-          <a:p>
-            <a:r>
-              <a:rPr lang="en-US" dirty="0" smtClean="0"/>
-              <a:t>Clarify messages, not simplify. </a:t>
-            </a:r>
-            <a:r>
-              <a:rPr lang="en-US" dirty="0" smtClean="0">
-                <a:hlinkClick r:id="rId2"/>
-              </a:rPr>
-              <a:t>Highlight</a:t>
-            </a:r>
-            <a:r>
-              <a:rPr lang="en-US" dirty="0" smtClean="0"/>
-              <a:t> trends, uncover patterns, </a:t>
-            </a:r>
-            <a:r>
-              <a:rPr lang="en-US" dirty="0" smtClean="0">
-                <a:hlinkClick r:id="rId3"/>
-              </a:rPr>
-              <a:t>reveal</a:t>
-            </a:r>
-            <a:r>
-              <a:rPr lang="en-US" dirty="0" smtClean="0"/>
-              <a:t>.</a:t>
-            </a:r>
-            <a:endParaRPr lang="en-US" dirty="0"/>
-          </a:p>
-        </p:txBody>
-      </p:sp>
-    </p:spTree>
-    <p:extLst>
-      <p:ext uri="{BB962C8B-B14F-4D97-AF65-F5344CB8AC3E}">
-        <p14:creationId xmlns:p14="http://schemas.microsoft.com/office/powerpoint/2010/main" val="2361379610"/>
-      </p:ext>
-    </p:extLst>
-  </p:cSld>
-  <p:clrMapOvr>
-    <a:masterClrMapping/>
-  </p:clrMapOvr>
+  <p:timing>
+    <p:tnLst>
+      <p:par>
+        <p:cTn xmlns:p14="http://schemas.microsoft.com/office/powerpoint/2010/main" id="1" dur="indefinite" restart="never" nodeType="tmRoot"/>
+      </p:par>
+    </p:tnLst>
+  </p:timing>
 </p:sld>
 </file>
 
@@ -3821,21 +4005,85 @@
             <p:ph type="title"/>
           </p:nvPr>
         </p:nvSpPr>
-        <p:spPr>
-          <a:xfrm>
-            <a:off x="457200" y="2279384"/>
-            <a:ext cx="8229600" cy="2004747"/>
-          </a:xfrm>
-        </p:spPr>
+        <p:spPr/>
+        <p:txBody>
+          <a:bodyPr/>
+          <a:lstStyle/>
+          <a:p>
+            <a:r>
+              <a:rPr lang="en-US" dirty="0" smtClean="0"/>
+              <a:t>Balancing </a:t>
+            </a:r>
+            <a:r>
+              <a:rPr lang="en-US" dirty="0" err="1" smtClean="0"/>
+              <a:t>Tufte</a:t>
+            </a:r>
+            <a:r>
+              <a:rPr lang="en-US" dirty="0" smtClean="0"/>
+              <a:t> vs. Beauty</a:t>
+            </a:r>
+            <a:endParaRPr lang="en-US" dirty="0"/>
+          </a:p>
+        </p:txBody>
+      </p:sp>
+      <p:sp>
+        <p:nvSpPr>
+          <p:cNvPr id="3" name="Content Placeholder 2"/>
+          <p:cNvSpPr>
+            <a:spLocks noGrp="1"/>
+          </p:cNvSpPr>
+          <p:nvPr>
+            <p:ph idx="1"/>
+          </p:nvPr>
+        </p:nvSpPr>
+        <p:spPr/>
         <p:txBody>
           <a:bodyPr>
-            <a:normAutofit/>
+            <a:normAutofit lnSpcReduction="10000"/>
           </a:bodyPr>
           <a:lstStyle/>
           <a:p>
             <a:r>
               <a:rPr lang="en-US" dirty="0" smtClean="0"/>
-              <a:t>Do you seek depth? Do you think readers seek it?</a:t>
+              <a:t>A good graphic presents information and allows users to explore.</a:t>
+            </a:r>
+          </a:p>
+          <a:p>
+            <a:r>
+              <a:rPr lang="en-US" dirty="0" smtClean="0"/>
+              <a:t>Cairo advises first seek depth – take advantage of the space you have to seek depth within reasonable limits.</a:t>
+            </a:r>
+          </a:p>
+          <a:p>
+            <a:r>
+              <a:rPr lang="en-US" dirty="0" smtClean="0"/>
+              <a:t>Only after, worry about how to make it prettier.</a:t>
+            </a:r>
+          </a:p>
+          <a:p>
+            <a:r>
+              <a:rPr lang="en-US" dirty="0" smtClean="0"/>
+              <a:t>Clarify messages, not simplify. </a:t>
+            </a:r>
+            <a:r>
+              <a:rPr lang="en-US" dirty="0" smtClean="0">
+                <a:hlinkClick r:id="rId2"/>
+              </a:rPr>
+              <a:t>Highlight</a:t>
+            </a:r>
+            <a:r>
+              <a:rPr lang="en-US" dirty="0" smtClean="0"/>
+              <a:t> trends, uncover patterns, </a:t>
+            </a:r>
+            <a:r>
+              <a:rPr lang="en-US" dirty="0" smtClean="0">
+                <a:hlinkClick r:id="rId3"/>
+              </a:rPr>
+              <a:t>reveal</a:t>
+            </a:r>
+            <a:r>
+              <a:rPr lang="en-US" dirty="0" smtClean="0"/>
+              <a:t>.</a:t>
             </a:r>
             <a:endParaRPr lang="en-US" dirty="0"/>
           </a:p>
@@ -3844,13 +4092,20 @@
     </p:spTree>
     <p:extLst>
       <p:ext uri="{BB962C8B-B14F-4D97-AF65-F5344CB8AC3E}">
-        <p14:creationId xmlns:p14="http://schemas.microsoft.com/office/powerpoint/2010/main" val="1413084657"/>
+        <p14:creationId xmlns:p14="http://schemas.microsoft.com/office/powerpoint/2010/main" val="2361379610"/>
       </p:ext>
     </p:extLst>
   </p:cSld>
   <p:clrMapOvr>
     <a:masterClrMapping/>
   </p:clrMapOvr>
+  <p:timing>
+    <p:tnLst>
+      <p:par>
+        <p:cTn xmlns:p14="http://schemas.microsoft.com/office/powerpoint/2010/main" id="1" dur="indefinite" restart="never" nodeType="tmRoot"/>
+      </p:par>
+    </p:tnLst>
+  </p:timing>
 </p:sld>
 </file>
 
@@ -3881,73 +4136,21 @@
             <p:ph type="title"/>
           </p:nvPr>
         </p:nvSpPr>
-        <p:spPr/>
-        <p:txBody>
-          <a:bodyPr/>
-          <a:lstStyle/>
-          <a:p>
-            <a:r>
-              <a:rPr lang="en-US" dirty="0" smtClean="0"/>
-              <a:t>Cairo’s solution to the wheel</a:t>
-            </a:r>
-            <a:endParaRPr lang="en-US" dirty="0"/>
-          </a:p>
-        </p:txBody>
-      </p:sp>
-      <p:sp>
-        <p:nvSpPr>
-          <p:cNvPr id="3" name="Content Placeholder 2"/>
-          <p:cNvSpPr>
-            <a:spLocks noGrp="1"/>
-          </p:cNvSpPr>
-          <p:nvPr>
-            <p:ph idx="1"/>
-          </p:nvPr>
-        </p:nvSpPr>
-        <p:spPr/>
-        <p:txBody>
-          <a:bodyPr/>
-          <a:lstStyle/>
-          <a:p>
-            <a:r>
-              <a:rPr lang="en-US" dirty="0" smtClean="0"/>
-              <a:t>Organize your graphics in layers. </a:t>
-            </a:r>
-          </a:p>
-          <a:p>
-            <a:r>
-              <a:rPr lang="en-US" dirty="0" smtClean="0"/>
-              <a:t>First: your lead – A headline, a summary, a main overview graphic of the key data.</a:t>
-            </a:r>
-          </a:p>
-          <a:p>
-            <a:r>
-              <a:rPr lang="en-US" dirty="0" smtClean="0"/>
-              <a:t>Second: Inner layers of data. Make editorial choices. Do not overwhelm.</a:t>
-            </a:r>
-          </a:p>
-          <a:p>
-            <a:r>
-              <a:rPr lang="en-US" dirty="0" smtClean="0"/>
-              <a:t>Third: Structure in logical order.</a:t>
-            </a:r>
-          </a:p>
-          <a:p>
-            <a:r>
-              <a:rPr lang="en-US" dirty="0" smtClean="0"/>
-              <a:t>Structure first, eye candy second.</a:t>
-            </a:r>
-          </a:p>
-          <a:p>
-            <a:r>
-              <a:rPr lang="en-US" dirty="0" smtClean="0">
-                <a:hlinkClick r:id="rId2"/>
-              </a:rPr>
-              <a:t>Does this story meet Cairo’s solution</a:t>
-            </a:r>
-            <a:r>
-              <a:rPr lang="en-US" dirty="0" smtClean="0"/>
-              <a:t>?</a:t>
+        <p:spPr>
+          <a:xfrm>
+            <a:off x="457200" y="2279384"/>
+            <a:ext cx="8229600" cy="2004747"/>
+          </a:xfrm>
+        </p:spPr>
+        <p:txBody>
+          <a:bodyPr>
+            <a:normAutofit/>
+          </a:bodyPr>
+          <a:lstStyle/>
+          <a:p>
+            <a:r>
+              <a:rPr lang="en-US" dirty="0" smtClean="0"/>
+              <a:t>Do you seek depth? Do you think readers seek it?</a:t>
             </a:r>
             <a:endParaRPr lang="en-US" dirty="0"/>
           </a:p>
@@ -3956,13 +4159,20 @@
     </p:spTree>
     <p:extLst>
       <p:ext uri="{BB962C8B-B14F-4D97-AF65-F5344CB8AC3E}">
-        <p14:creationId xmlns:p14="http://schemas.microsoft.com/office/powerpoint/2010/main" val="358563097"/>
+        <p14:creationId xmlns:p14="http://schemas.microsoft.com/office/powerpoint/2010/main" val="1413084657"/>
       </p:ext>
     </p:extLst>
   </p:cSld>
   <p:clrMapOvr>
     <a:masterClrMapping/>
   </p:clrMapOvr>
+  <p:timing>
+    <p:tnLst>
+      <p:par>
+        <p:cTn xmlns:p14="http://schemas.microsoft.com/office/powerpoint/2010/main" id="1" dur="indefinite" restart="never" nodeType="tmRoot"/>
+      </p:par>
+    </p:tnLst>
+  </p:timing>
 </p:sld>
 </file>
 
